--- a/ja/application_framework/application_framework/setting_guide/ManagingEnvironmentalConfiguration/_images.pptx
+++ b/ja/application_framework/application_framework/setting_guide/ManagingEnvironmentalConfiguration/_images.pptx
@@ -105,6 +105,22 @@
       </a:defRPr>
     </a:lvl9pPr>
   </p:defaultTextStyle>
+  <p:extLst>
+    <p:ext uri="{EFAFB233-063F-42B5-8137-9DF3F51BA10A}">
+      <p15:sldGuideLst xmlns:p15="http://schemas.microsoft.com/office/powerpoint/2012/main">
+        <p15:guide id="1" orient="horz" pos="936">
+          <p15:clr>
+            <a:srgbClr val="A4A3A4"/>
+          </p15:clr>
+        </p15:guide>
+        <p15:guide id="2" pos="1440">
+          <p15:clr>
+            <a:srgbClr val="A4A3A4"/>
+          </p15:clr>
+        </p15:guide>
+      </p15:sldGuideLst>
+    </p:ext>
+  </p:extLst>
 </p:presentation>
 </file>
 
@@ -146,10 +162,9 @@
           <a:lstStyle/>
           <a:p>
             <a:r>
-              <a:rPr kumimoji="1" lang="ja-JP" altLang="en-US" smtClean="0"/>
+              <a:rPr kumimoji="1" lang="ja-JP" altLang="en-US"/>
               <a:t>マスタ タイトルの書式設定</a:t>
             </a:r>
-            <a:endParaRPr kumimoji="1" lang="ja-JP" altLang="en-US"/>
           </a:p>
         </p:txBody>
       </p:sp>
@@ -265,10 +280,9 @@
           </a:lstStyle>
           <a:p>
             <a:r>
-              <a:rPr kumimoji="1" lang="ja-JP" altLang="en-US" smtClean="0"/>
+              <a:rPr kumimoji="1" lang="ja-JP" altLang="en-US"/>
               <a:t>マスタ サブタイトルの書式設定</a:t>
             </a:r>
-            <a:endParaRPr kumimoji="1" lang="ja-JP" altLang="en-US"/>
           </a:p>
         </p:txBody>
       </p:sp>
@@ -289,7 +303,7 @@
           <a:p>
             <a:fld id="{E90ED720-0104-4369-84BC-D37694168613}" type="datetimeFigureOut">
               <a:rPr kumimoji="1" lang="ja-JP" altLang="en-US" smtClean="0"/>
-              <a:t>2016/5/18</a:t>
+              <a:t>2021/2/9</a:t>
             </a:fld>
             <a:endParaRPr kumimoji="1" lang="ja-JP" altLang="en-US" dirty="0"/>
           </a:p>
@@ -378,10 +392,9 @@
           <a:lstStyle/>
           <a:p>
             <a:r>
-              <a:rPr kumimoji="1" lang="ja-JP" altLang="en-US" smtClean="0"/>
+              <a:rPr kumimoji="1" lang="ja-JP" altLang="en-US"/>
               <a:t>マスタ タイトルの書式設定</a:t>
             </a:r>
-            <a:endParaRPr kumimoji="1" lang="ja-JP" altLang="en-US"/>
           </a:p>
         </p:txBody>
       </p:sp>
@@ -402,70 +415,69 @@
           <a:p>
             <a:pPr lvl="0"/>
             <a:r>
-              <a:rPr kumimoji="1" lang="ja-JP" altLang="en-US" smtClean="0"/>
+              <a:rPr kumimoji="1" lang="ja-JP" altLang="en-US"/>
               <a:t>マスタ テキストの書式設定</a:t>
             </a:r>
           </a:p>
           <a:p>
             <a:pPr lvl="1"/>
             <a:r>
-              <a:rPr kumimoji="1" lang="ja-JP" altLang="en-US" smtClean="0"/>
+              <a:rPr kumimoji="1" lang="ja-JP" altLang="en-US"/>
               <a:t>第 </a:t>
             </a:r>
             <a:r>
-              <a:rPr kumimoji="1" lang="en-US" altLang="ja-JP" smtClean="0"/>
+              <a:rPr kumimoji="1" lang="en-US" altLang="ja-JP"/>
               <a:t>2 </a:t>
             </a:r>
             <a:r>
-              <a:rPr kumimoji="1" lang="ja-JP" altLang="en-US" smtClean="0"/>
+              <a:rPr kumimoji="1" lang="ja-JP" altLang="en-US"/>
               <a:t>レベル</a:t>
             </a:r>
           </a:p>
           <a:p>
             <a:pPr lvl="2"/>
             <a:r>
-              <a:rPr kumimoji="1" lang="ja-JP" altLang="en-US" smtClean="0"/>
+              <a:rPr kumimoji="1" lang="ja-JP" altLang="en-US"/>
               <a:t>第 </a:t>
             </a:r>
             <a:r>
-              <a:rPr kumimoji="1" lang="en-US" altLang="ja-JP" smtClean="0"/>
+              <a:rPr kumimoji="1" lang="en-US" altLang="ja-JP"/>
               <a:t>3 </a:t>
             </a:r>
             <a:r>
-              <a:rPr kumimoji="1" lang="ja-JP" altLang="en-US" smtClean="0"/>
+              <a:rPr kumimoji="1" lang="ja-JP" altLang="en-US"/>
               <a:t>レベル</a:t>
             </a:r>
           </a:p>
           <a:p>
             <a:pPr lvl="3"/>
             <a:r>
-              <a:rPr kumimoji="1" lang="ja-JP" altLang="en-US" smtClean="0"/>
+              <a:rPr kumimoji="1" lang="ja-JP" altLang="en-US"/>
               <a:t>第 </a:t>
             </a:r>
             <a:r>
-              <a:rPr kumimoji="1" lang="en-US" altLang="ja-JP" smtClean="0"/>
+              <a:rPr kumimoji="1" lang="en-US" altLang="ja-JP"/>
               <a:t>4 </a:t>
             </a:r>
             <a:r>
-              <a:rPr kumimoji="1" lang="ja-JP" altLang="en-US" smtClean="0"/>
+              <a:rPr kumimoji="1" lang="ja-JP" altLang="en-US"/>
               <a:t>レベル</a:t>
             </a:r>
           </a:p>
           <a:p>
             <a:pPr lvl="4"/>
             <a:r>
-              <a:rPr kumimoji="1" lang="ja-JP" altLang="en-US" smtClean="0"/>
+              <a:rPr kumimoji="1" lang="ja-JP" altLang="en-US"/>
               <a:t>第 </a:t>
             </a:r>
             <a:r>
-              <a:rPr kumimoji="1" lang="en-US" altLang="ja-JP" smtClean="0"/>
+              <a:rPr kumimoji="1" lang="en-US" altLang="ja-JP"/>
               <a:t>5 </a:t>
             </a:r>
             <a:r>
-              <a:rPr kumimoji="1" lang="ja-JP" altLang="en-US" smtClean="0"/>
+              <a:rPr kumimoji="1" lang="ja-JP" altLang="en-US"/>
               <a:t>レベル</a:t>
             </a:r>
-            <a:endParaRPr kumimoji="1" lang="ja-JP" altLang="en-US"/>
           </a:p>
         </p:txBody>
       </p:sp>
@@ -486,7 +498,7 @@
           <a:p>
             <a:fld id="{E90ED720-0104-4369-84BC-D37694168613}" type="datetimeFigureOut">
               <a:rPr kumimoji="1" lang="ja-JP" altLang="en-US" smtClean="0"/>
-              <a:t>2016/5/18</a:t>
+              <a:t>2021/2/9</a:t>
             </a:fld>
             <a:endParaRPr kumimoji="1" lang="ja-JP" altLang="en-US" dirty="0"/>
           </a:p>
@@ -580,10 +592,9 @@
           <a:lstStyle/>
           <a:p>
             <a:r>
-              <a:rPr kumimoji="1" lang="ja-JP" altLang="en-US" smtClean="0"/>
+              <a:rPr kumimoji="1" lang="ja-JP" altLang="en-US"/>
               <a:t>マスタ タイトルの書式設定</a:t>
             </a:r>
-            <a:endParaRPr kumimoji="1" lang="ja-JP" altLang="en-US"/>
           </a:p>
         </p:txBody>
       </p:sp>
@@ -609,70 +620,69 @@
           <a:p>
             <a:pPr lvl="0"/>
             <a:r>
-              <a:rPr kumimoji="1" lang="ja-JP" altLang="en-US" smtClean="0"/>
+              <a:rPr kumimoji="1" lang="ja-JP" altLang="en-US"/>
               <a:t>マスタ テキストの書式設定</a:t>
             </a:r>
           </a:p>
           <a:p>
             <a:pPr lvl="1"/>
             <a:r>
-              <a:rPr kumimoji="1" lang="ja-JP" altLang="en-US" smtClean="0"/>
+              <a:rPr kumimoji="1" lang="ja-JP" altLang="en-US"/>
               <a:t>第 </a:t>
             </a:r>
             <a:r>
-              <a:rPr kumimoji="1" lang="en-US" altLang="ja-JP" smtClean="0"/>
+              <a:rPr kumimoji="1" lang="en-US" altLang="ja-JP"/>
               <a:t>2 </a:t>
             </a:r>
             <a:r>
-              <a:rPr kumimoji="1" lang="ja-JP" altLang="en-US" smtClean="0"/>
+              <a:rPr kumimoji="1" lang="ja-JP" altLang="en-US"/>
               <a:t>レベル</a:t>
             </a:r>
           </a:p>
           <a:p>
             <a:pPr lvl="2"/>
             <a:r>
-              <a:rPr kumimoji="1" lang="ja-JP" altLang="en-US" smtClean="0"/>
+              <a:rPr kumimoji="1" lang="ja-JP" altLang="en-US"/>
               <a:t>第 </a:t>
             </a:r>
             <a:r>
-              <a:rPr kumimoji="1" lang="en-US" altLang="ja-JP" smtClean="0"/>
+              <a:rPr kumimoji="1" lang="en-US" altLang="ja-JP"/>
               <a:t>3 </a:t>
             </a:r>
             <a:r>
-              <a:rPr kumimoji="1" lang="ja-JP" altLang="en-US" smtClean="0"/>
+              <a:rPr kumimoji="1" lang="ja-JP" altLang="en-US"/>
               <a:t>レベル</a:t>
             </a:r>
           </a:p>
           <a:p>
             <a:pPr lvl="3"/>
             <a:r>
-              <a:rPr kumimoji="1" lang="ja-JP" altLang="en-US" smtClean="0"/>
+              <a:rPr kumimoji="1" lang="ja-JP" altLang="en-US"/>
               <a:t>第 </a:t>
             </a:r>
             <a:r>
-              <a:rPr kumimoji="1" lang="en-US" altLang="ja-JP" smtClean="0"/>
+              <a:rPr kumimoji="1" lang="en-US" altLang="ja-JP"/>
               <a:t>4 </a:t>
             </a:r>
             <a:r>
-              <a:rPr kumimoji="1" lang="ja-JP" altLang="en-US" smtClean="0"/>
+              <a:rPr kumimoji="1" lang="ja-JP" altLang="en-US"/>
               <a:t>レベル</a:t>
             </a:r>
           </a:p>
           <a:p>
             <a:pPr lvl="4"/>
             <a:r>
-              <a:rPr kumimoji="1" lang="ja-JP" altLang="en-US" smtClean="0"/>
+              <a:rPr kumimoji="1" lang="ja-JP" altLang="en-US"/>
               <a:t>第 </a:t>
             </a:r>
             <a:r>
-              <a:rPr kumimoji="1" lang="en-US" altLang="ja-JP" smtClean="0"/>
+              <a:rPr kumimoji="1" lang="en-US" altLang="ja-JP"/>
               <a:t>5 </a:t>
             </a:r>
             <a:r>
-              <a:rPr kumimoji="1" lang="ja-JP" altLang="en-US" smtClean="0"/>
+              <a:rPr kumimoji="1" lang="ja-JP" altLang="en-US"/>
               <a:t>レベル</a:t>
             </a:r>
-            <a:endParaRPr kumimoji="1" lang="ja-JP" altLang="en-US"/>
           </a:p>
         </p:txBody>
       </p:sp>
@@ -693,7 +703,7 @@
           <a:p>
             <a:fld id="{E90ED720-0104-4369-84BC-D37694168613}" type="datetimeFigureOut">
               <a:rPr kumimoji="1" lang="ja-JP" altLang="en-US" smtClean="0"/>
-              <a:t>2016/5/18</a:t>
+              <a:t>2021/2/9</a:t>
             </a:fld>
             <a:endParaRPr kumimoji="1" lang="ja-JP" altLang="en-US" dirty="0"/>
           </a:p>
@@ -782,10 +792,9 @@
           <a:lstStyle/>
           <a:p>
             <a:r>
-              <a:rPr kumimoji="1" lang="ja-JP" altLang="en-US" smtClean="0"/>
+              <a:rPr kumimoji="1" lang="ja-JP" altLang="en-US"/>
               <a:t>マスタ タイトルの書式設定</a:t>
             </a:r>
-            <a:endParaRPr kumimoji="1" lang="ja-JP" altLang="en-US"/>
           </a:p>
         </p:txBody>
       </p:sp>
@@ -806,70 +815,69 @@
           <a:p>
             <a:pPr lvl="0"/>
             <a:r>
-              <a:rPr kumimoji="1" lang="ja-JP" altLang="en-US" smtClean="0"/>
+              <a:rPr kumimoji="1" lang="ja-JP" altLang="en-US"/>
               <a:t>マスタ テキストの書式設定</a:t>
             </a:r>
           </a:p>
           <a:p>
             <a:pPr lvl="1"/>
             <a:r>
-              <a:rPr kumimoji="1" lang="ja-JP" altLang="en-US" smtClean="0"/>
+              <a:rPr kumimoji="1" lang="ja-JP" altLang="en-US"/>
               <a:t>第 </a:t>
             </a:r>
             <a:r>
-              <a:rPr kumimoji="1" lang="en-US" altLang="ja-JP" smtClean="0"/>
+              <a:rPr kumimoji="1" lang="en-US" altLang="ja-JP"/>
               <a:t>2 </a:t>
             </a:r>
             <a:r>
-              <a:rPr kumimoji="1" lang="ja-JP" altLang="en-US" smtClean="0"/>
+              <a:rPr kumimoji="1" lang="ja-JP" altLang="en-US"/>
               <a:t>レベル</a:t>
             </a:r>
           </a:p>
           <a:p>
             <a:pPr lvl="2"/>
             <a:r>
-              <a:rPr kumimoji="1" lang="ja-JP" altLang="en-US" smtClean="0"/>
+              <a:rPr kumimoji="1" lang="ja-JP" altLang="en-US"/>
               <a:t>第 </a:t>
             </a:r>
             <a:r>
-              <a:rPr kumimoji="1" lang="en-US" altLang="ja-JP" smtClean="0"/>
+              <a:rPr kumimoji="1" lang="en-US" altLang="ja-JP"/>
               <a:t>3 </a:t>
             </a:r>
             <a:r>
-              <a:rPr kumimoji="1" lang="ja-JP" altLang="en-US" smtClean="0"/>
+              <a:rPr kumimoji="1" lang="ja-JP" altLang="en-US"/>
               <a:t>レベル</a:t>
             </a:r>
           </a:p>
           <a:p>
             <a:pPr lvl="3"/>
             <a:r>
-              <a:rPr kumimoji="1" lang="ja-JP" altLang="en-US" smtClean="0"/>
+              <a:rPr kumimoji="1" lang="ja-JP" altLang="en-US"/>
               <a:t>第 </a:t>
             </a:r>
             <a:r>
-              <a:rPr kumimoji="1" lang="en-US" altLang="ja-JP" smtClean="0"/>
+              <a:rPr kumimoji="1" lang="en-US" altLang="ja-JP"/>
               <a:t>4 </a:t>
             </a:r>
             <a:r>
-              <a:rPr kumimoji="1" lang="ja-JP" altLang="en-US" smtClean="0"/>
+              <a:rPr kumimoji="1" lang="ja-JP" altLang="en-US"/>
               <a:t>レベル</a:t>
             </a:r>
           </a:p>
           <a:p>
             <a:pPr lvl="4"/>
             <a:r>
-              <a:rPr kumimoji="1" lang="ja-JP" altLang="en-US" smtClean="0"/>
+              <a:rPr kumimoji="1" lang="ja-JP" altLang="en-US"/>
               <a:t>第 </a:t>
             </a:r>
             <a:r>
-              <a:rPr kumimoji="1" lang="en-US" altLang="ja-JP" smtClean="0"/>
+              <a:rPr kumimoji="1" lang="en-US" altLang="ja-JP"/>
               <a:t>5 </a:t>
             </a:r>
             <a:r>
-              <a:rPr kumimoji="1" lang="ja-JP" altLang="en-US" smtClean="0"/>
+              <a:rPr kumimoji="1" lang="ja-JP" altLang="en-US"/>
               <a:t>レベル</a:t>
             </a:r>
-            <a:endParaRPr kumimoji="1" lang="ja-JP" altLang="en-US"/>
           </a:p>
         </p:txBody>
       </p:sp>
@@ -890,7 +898,7 @@
           <a:p>
             <a:fld id="{E90ED720-0104-4369-84BC-D37694168613}" type="datetimeFigureOut">
               <a:rPr kumimoji="1" lang="ja-JP" altLang="en-US" smtClean="0"/>
-              <a:t>2016/5/18</a:t>
+              <a:t>2021/2/9</a:t>
             </a:fld>
             <a:endParaRPr kumimoji="1" lang="ja-JP" altLang="en-US" dirty="0"/>
           </a:p>
@@ -988,10 +996,9 @@
           </a:lstStyle>
           <a:p>
             <a:r>
-              <a:rPr kumimoji="1" lang="ja-JP" altLang="en-US" smtClean="0"/>
+              <a:rPr kumimoji="1" lang="ja-JP" altLang="en-US"/>
               <a:t>マスタ タイトルの書式設定</a:t>
             </a:r>
-            <a:endParaRPr kumimoji="1" lang="ja-JP" altLang="en-US"/>
           </a:p>
         </p:txBody>
       </p:sp>
@@ -1108,7 +1115,7 @@
           <a:p>
             <a:pPr lvl="0"/>
             <a:r>
-              <a:rPr kumimoji="1" lang="ja-JP" altLang="en-US" smtClean="0"/>
+              <a:rPr kumimoji="1" lang="ja-JP" altLang="en-US"/>
               <a:t>マスタ テキストの書式設定</a:t>
             </a:r>
           </a:p>
@@ -1131,7 +1138,7 @@
           <a:p>
             <a:fld id="{E90ED720-0104-4369-84BC-D37694168613}" type="datetimeFigureOut">
               <a:rPr kumimoji="1" lang="ja-JP" altLang="en-US" smtClean="0"/>
-              <a:t>2016/5/18</a:t>
+              <a:t>2021/2/9</a:t>
             </a:fld>
             <a:endParaRPr kumimoji="1" lang="ja-JP" altLang="en-US" dirty="0"/>
           </a:p>
@@ -1220,10 +1227,9 @@
           <a:lstStyle/>
           <a:p>
             <a:r>
-              <a:rPr kumimoji="1" lang="ja-JP" altLang="en-US" smtClean="0"/>
+              <a:rPr kumimoji="1" lang="ja-JP" altLang="en-US"/>
               <a:t>マスタ タイトルの書式設定</a:t>
             </a:r>
-            <a:endParaRPr kumimoji="1" lang="ja-JP" altLang="en-US"/>
           </a:p>
         </p:txBody>
       </p:sp>
@@ -1277,70 +1283,69 @@
           <a:p>
             <a:pPr lvl="0"/>
             <a:r>
-              <a:rPr kumimoji="1" lang="ja-JP" altLang="en-US" smtClean="0"/>
+              <a:rPr kumimoji="1" lang="ja-JP" altLang="en-US"/>
               <a:t>マスタ テキストの書式設定</a:t>
             </a:r>
           </a:p>
           <a:p>
             <a:pPr lvl="1"/>
             <a:r>
-              <a:rPr kumimoji="1" lang="ja-JP" altLang="en-US" smtClean="0"/>
+              <a:rPr kumimoji="1" lang="ja-JP" altLang="en-US"/>
               <a:t>第 </a:t>
             </a:r>
             <a:r>
-              <a:rPr kumimoji="1" lang="en-US" altLang="ja-JP" smtClean="0"/>
+              <a:rPr kumimoji="1" lang="en-US" altLang="ja-JP"/>
               <a:t>2 </a:t>
             </a:r>
             <a:r>
-              <a:rPr kumimoji="1" lang="ja-JP" altLang="en-US" smtClean="0"/>
+              <a:rPr kumimoji="1" lang="ja-JP" altLang="en-US"/>
               <a:t>レベル</a:t>
             </a:r>
           </a:p>
           <a:p>
             <a:pPr lvl="2"/>
             <a:r>
-              <a:rPr kumimoji="1" lang="ja-JP" altLang="en-US" smtClean="0"/>
+              <a:rPr kumimoji="1" lang="ja-JP" altLang="en-US"/>
               <a:t>第 </a:t>
             </a:r>
             <a:r>
-              <a:rPr kumimoji="1" lang="en-US" altLang="ja-JP" smtClean="0"/>
+              <a:rPr kumimoji="1" lang="en-US" altLang="ja-JP"/>
               <a:t>3 </a:t>
             </a:r>
             <a:r>
-              <a:rPr kumimoji="1" lang="ja-JP" altLang="en-US" smtClean="0"/>
+              <a:rPr kumimoji="1" lang="ja-JP" altLang="en-US"/>
               <a:t>レベル</a:t>
             </a:r>
           </a:p>
           <a:p>
             <a:pPr lvl="3"/>
             <a:r>
-              <a:rPr kumimoji="1" lang="ja-JP" altLang="en-US" smtClean="0"/>
+              <a:rPr kumimoji="1" lang="ja-JP" altLang="en-US"/>
               <a:t>第 </a:t>
             </a:r>
             <a:r>
-              <a:rPr kumimoji="1" lang="en-US" altLang="ja-JP" smtClean="0"/>
+              <a:rPr kumimoji="1" lang="en-US" altLang="ja-JP"/>
               <a:t>4 </a:t>
             </a:r>
             <a:r>
-              <a:rPr kumimoji="1" lang="ja-JP" altLang="en-US" smtClean="0"/>
+              <a:rPr kumimoji="1" lang="ja-JP" altLang="en-US"/>
               <a:t>レベル</a:t>
             </a:r>
           </a:p>
           <a:p>
             <a:pPr lvl="4"/>
             <a:r>
-              <a:rPr kumimoji="1" lang="ja-JP" altLang="en-US" smtClean="0"/>
+              <a:rPr kumimoji="1" lang="ja-JP" altLang="en-US"/>
               <a:t>第 </a:t>
             </a:r>
             <a:r>
-              <a:rPr kumimoji="1" lang="en-US" altLang="ja-JP" smtClean="0"/>
+              <a:rPr kumimoji="1" lang="en-US" altLang="ja-JP"/>
               <a:t>5 </a:t>
             </a:r>
             <a:r>
-              <a:rPr kumimoji="1" lang="ja-JP" altLang="en-US" smtClean="0"/>
+              <a:rPr kumimoji="1" lang="ja-JP" altLang="en-US"/>
               <a:t>レベル</a:t>
             </a:r>
-            <a:endParaRPr kumimoji="1" lang="ja-JP" altLang="en-US"/>
           </a:p>
         </p:txBody>
       </p:sp>
@@ -1394,70 +1399,69 @@
           <a:p>
             <a:pPr lvl="0"/>
             <a:r>
-              <a:rPr kumimoji="1" lang="ja-JP" altLang="en-US" smtClean="0"/>
+              <a:rPr kumimoji="1" lang="ja-JP" altLang="en-US"/>
               <a:t>マスタ テキストの書式設定</a:t>
             </a:r>
           </a:p>
           <a:p>
             <a:pPr lvl="1"/>
             <a:r>
-              <a:rPr kumimoji="1" lang="ja-JP" altLang="en-US" smtClean="0"/>
+              <a:rPr kumimoji="1" lang="ja-JP" altLang="en-US"/>
               <a:t>第 </a:t>
             </a:r>
             <a:r>
-              <a:rPr kumimoji="1" lang="en-US" altLang="ja-JP" smtClean="0"/>
+              <a:rPr kumimoji="1" lang="en-US" altLang="ja-JP"/>
               <a:t>2 </a:t>
             </a:r>
             <a:r>
-              <a:rPr kumimoji="1" lang="ja-JP" altLang="en-US" smtClean="0"/>
+              <a:rPr kumimoji="1" lang="ja-JP" altLang="en-US"/>
               <a:t>レベル</a:t>
             </a:r>
           </a:p>
           <a:p>
             <a:pPr lvl="2"/>
             <a:r>
-              <a:rPr kumimoji="1" lang="ja-JP" altLang="en-US" smtClean="0"/>
+              <a:rPr kumimoji="1" lang="ja-JP" altLang="en-US"/>
               <a:t>第 </a:t>
             </a:r>
             <a:r>
-              <a:rPr kumimoji="1" lang="en-US" altLang="ja-JP" smtClean="0"/>
+              <a:rPr kumimoji="1" lang="en-US" altLang="ja-JP"/>
               <a:t>3 </a:t>
             </a:r>
             <a:r>
-              <a:rPr kumimoji="1" lang="ja-JP" altLang="en-US" smtClean="0"/>
+              <a:rPr kumimoji="1" lang="ja-JP" altLang="en-US"/>
               <a:t>レベル</a:t>
             </a:r>
           </a:p>
           <a:p>
             <a:pPr lvl="3"/>
             <a:r>
-              <a:rPr kumimoji="1" lang="ja-JP" altLang="en-US" smtClean="0"/>
+              <a:rPr kumimoji="1" lang="ja-JP" altLang="en-US"/>
               <a:t>第 </a:t>
             </a:r>
             <a:r>
-              <a:rPr kumimoji="1" lang="en-US" altLang="ja-JP" smtClean="0"/>
+              <a:rPr kumimoji="1" lang="en-US" altLang="ja-JP"/>
               <a:t>4 </a:t>
             </a:r>
             <a:r>
-              <a:rPr kumimoji="1" lang="ja-JP" altLang="en-US" smtClean="0"/>
+              <a:rPr kumimoji="1" lang="ja-JP" altLang="en-US"/>
               <a:t>レベル</a:t>
             </a:r>
           </a:p>
           <a:p>
             <a:pPr lvl="4"/>
             <a:r>
-              <a:rPr kumimoji="1" lang="ja-JP" altLang="en-US" smtClean="0"/>
+              <a:rPr kumimoji="1" lang="ja-JP" altLang="en-US"/>
               <a:t>第 </a:t>
             </a:r>
             <a:r>
-              <a:rPr kumimoji="1" lang="en-US" altLang="ja-JP" smtClean="0"/>
+              <a:rPr kumimoji="1" lang="en-US" altLang="ja-JP"/>
               <a:t>5 </a:t>
             </a:r>
             <a:r>
-              <a:rPr kumimoji="1" lang="ja-JP" altLang="en-US" smtClean="0"/>
+              <a:rPr kumimoji="1" lang="ja-JP" altLang="en-US"/>
               <a:t>レベル</a:t>
             </a:r>
-            <a:endParaRPr kumimoji="1" lang="ja-JP" altLang="en-US"/>
           </a:p>
         </p:txBody>
       </p:sp>
@@ -1478,7 +1482,7 @@
           <a:p>
             <a:fld id="{E90ED720-0104-4369-84BC-D37694168613}" type="datetimeFigureOut">
               <a:rPr kumimoji="1" lang="ja-JP" altLang="en-US" smtClean="0"/>
-              <a:t>2016/5/18</a:t>
+              <a:t>2021/2/9</a:t>
             </a:fld>
             <a:endParaRPr kumimoji="1" lang="ja-JP" altLang="en-US" dirty="0"/>
           </a:p>
@@ -1571,10 +1575,9 @@
           </a:lstStyle>
           <a:p>
             <a:r>
-              <a:rPr kumimoji="1" lang="ja-JP" altLang="en-US" smtClean="0"/>
+              <a:rPr kumimoji="1" lang="ja-JP" altLang="en-US"/>
               <a:t>マスタ タイトルの書式設定</a:t>
             </a:r>
-            <a:endParaRPr kumimoji="1" lang="ja-JP" altLang="en-US"/>
           </a:p>
         </p:txBody>
       </p:sp>
@@ -1637,7 +1640,7 @@
           <a:p>
             <a:pPr lvl="0"/>
             <a:r>
-              <a:rPr kumimoji="1" lang="ja-JP" altLang="en-US" smtClean="0"/>
+              <a:rPr kumimoji="1" lang="ja-JP" altLang="en-US"/>
               <a:t>マスタ テキストの書式設定</a:t>
             </a:r>
           </a:p>
@@ -1693,70 +1696,69 @@
           <a:p>
             <a:pPr lvl="0"/>
             <a:r>
-              <a:rPr kumimoji="1" lang="ja-JP" altLang="en-US" smtClean="0"/>
+              <a:rPr kumimoji="1" lang="ja-JP" altLang="en-US"/>
               <a:t>マスタ テキストの書式設定</a:t>
             </a:r>
           </a:p>
           <a:p>
             <a:pPr lvl="1"/>
             <a:r>
-              <a:rPr kumimoji="1" lang="ja-JP" altLang="en-US" smtClean="0"/>
+              <a:rPr kumimoji="1" lang="ja-JP" altLang="en-US"/>
               <a:t>第 </a:t>
             </a:r>
             <a:r>
-              <a:rPr kumimoji="1" lang="en-US" altLang="ja-JP" smtClean="0"/>
+              <a:rPr kumimoji="1" lang="en-US" altLang="ja-JP"/>
               <a:t>2 </a:t>
             </a:r>
             <a:r>
-              <a:rPr kumimoji="1" lang="ja-JP" altLang="en-US" smtClean="0"/>
+              <a:rPr kumimoji="1" lang="ja-JP" altLang="en-US"/>
               <a:t>レベル</a:t>
             </a:r>
           </a:p>
           <a:p>
             <a:pPr lvl="2"/>
             <a:r>
-              <a:rPr kumimoji="1" lang="ja-JP" altLang="en-US" smtClean="0"/>
+              <a:rPr kumimoji="1" lang="ja-JP" altLang="en-US"/>
               <a:t>第 </a:t>
             </a:r>
             <a:r>
-              <a:rPr kumimoji="1" lang="en-US" altLang="ja-JP" smtClean="0"/>
+              <a:rPr kumimoji="1" lang="en-US" altLang="ja-JP"/>
               <a:t>3 </a:t>
             </a:r>
             <a:r>
-              <a:rPr kumimoji="1" lang="ja-JP" altLang="en-US" smtClean="0"/>
+              <a:rPr kumimoji="1" lang="ja-JP" altLang="en-US"/>
               <a:t>レベル</a:t>
             </a:r>
           </a:p>
           <a:p>
             <a:pPr lvl="3"/>
             <a:r>
-              <a:rPr kumimoji="1" lang="ja-JP" altLang="en-US" smtClean="0"/>
+              <a:rPr kumimoji="1" lang="ja-JP" altLang="en-US"/>
               <a:t>第 </a:t>
             </a:r>
             <a:r>
-              <a:rPr kumimoji="1" lang="en-US" altLang="ja-JP" smtClean="0"/>
+              <a:rPr kumimoji="1" lang="en-US" altLang="ja-JP"/>
               <a:t>4 </a:t>
             </a:r>
             <a:r>
-              <a:rPr kumimoji="1" lang="ja-JP" altLang="en-US" smtClean="0"/>
+              <a:rPr kumimoji="1" lang="ja-JP" altLang="en-US"/>
               <a:t>レベル</a:t>
             </a:r>
           </a:p>
           <a:p>
             <a:pPr lvl="4"/>
             <a:r>
-              <a:rPr kumimoji="1" lang="ja-JP" altLang="en-US" smtClean="0"/>
+              <a:rPr kumimoji="1" lang="ja-JP" altLang="en-US"/>
               <a:t>第 </a:t>
             </a:r>
             <a:r>
-              <a:rPr kumimoji="1" lang="en-US" altLang="ja-JP" smtClean="0"/>
+              <a:rPr kumimoji="1" lang="en-US" altLang="ja-JP"/>
               <a:t>5 </a:t>
             </a:r>
             <a:r>
-              <a:rPr kumimoji="1" lang="ja-JP" altLang="en-US" smtClean="0"/>
+              <a:rPr kumimoji="1" lang="ja-JP" altLang="en-US"/>
               <a:t>レベル</a:t>
             </a:r>
-            <a:endParaRPr kumimoji="1" lang="ja-JP" altLang="en-US"/>
           </a:p>
         </p:txBody>
       </p:sp>
@@ -1819,7 +1821,7 @@
           <a:p>
             <a:pPr lvl="0"/>
             <a:r>
-              <a:rPr kumimoji="1" lang="ja-JP" altLang="en-US" smtClean="0"/>
+              <a:rPr kumimoji="1" lang="ja-JP" altLang="en-US"/>
               <a:t>マスタ テキストの書式設定</a:t>
             </a:r>
           </a:p>
@@ -1875,70 +1877,69 @@
           <a:p>
             <a:pPr lvl="0"/>
             <a:r>
-              <a:rPr kumimoji="1" lang="ja-JP" altLang="en-US" smtClean="0"/>
+              <a:rPr kumimoji="1" lang="ja-JP" altLang="en-US"/>
               <a:t>マスタ テキストの書式設定</a:t>
             </a:r>
           </a:p>
           <a:p>
             <a:pPr lvl="1"/>
             <a:r>
-              <a:rPr kumimoji="1" lang="ja-JP" altLang="en-US" smtClean="0"/>
+              <a:rPr kumimoji="1" lang="ja-JP" altLang="en-US"/>
               <a:t>第 </a:t>
             </a:r>
             <a:r>
-              <a:rPr kumimoji="1" lang="en-US" altLang="ja-JP" smtClean="0"/>
+              <a:rPr kumimoji="1" lang="en-US" altLang="ja-JP"/>
               <a:t>2 </a:t>
             </a:r>
             <a:r>
-              <a:rPr kumimoji="1" lang="ja-JP" altLang="en-US" smtClean="0"/>
+              <a:rPr kumimoji="1" lang="ja-JP" altLang="en-US"/>
               <a:t>レベル</a:t>
             </a:r>
           </a:p>
           <a:p>
             <a:pPr lvl="2"/>
             <a:r>
-              <a:rPr kumimoji="1" lang="ja-JP" altLang="en-US" smtClean="0"/>
+              <a:rPr kumimoji="1" lang="ja-JP" altLang="en-US"/>
               <a:t>第 </a:t>
             </a:r>
             <a:r>
-              <a:rPr kumimoji="1" lang="en-US" altLang="ja-JP" smtClean="0"/>
+              <a:rPr kumimoji="1" lang="en-US" altLang="ja-JP"/>
               <a:t>3 </a:t>
             </a:r>
             <a:r>
-              <a:rPr kumimoji="1" lang="ja-JP" altLang="en-US" smtClean="0"/>
+              <a:rPr kumimoji="1" lang="ja-JP" altLang="en-US"/>
               <a:t>レベル</a:t>
             </a:r>
           </a:p>
           <a:p>
             <a:pPr lvl="3"/>
             <a:r>
-              <a:rPr kumimoji="1" lang="ja-JP" altLang="en-US" smtClean="0"/>
+              <a:rPr kumimoji="1" lang="ja-JP" altLang="en-US"/>
               <a:t>第 </a:t>
             </a:r>
             <a:r>
-              <a:rPr kumimoji="1" lang="en-US" altLang="ja-JP" smtClean="0"/>
+              <a:rPr kumimoji="1" lang="en-US" altLang="ja-JP"/>
               <a:t>4 </a:t>
             </a:r>
             <a:r>
-              <a:rPr kumimoji="1" lang="ja-JP" altLang="en-US" smtClean="0"/>
+              <a:rPr kumimoji="1" lang="ja-JP" altLang="en-US"/>
               <a:t>レベル</a:t>
             </a:r>
           </a:p>
           <a:p>
             <a:pPr lvl="4"/>
             <a:r>
-              <a:rPr kumimoji="1" lang="ja-JP" altLang="en-US" smtClean="0"/>
+              <a:rPr kumimoji="1" lang="ja-JP" altLang="en-US"/>
               <a:t>第 </a:t>
             </a:r>
             <a:r>
-              <a:rPr kumimoji="1" lang="en-US" altLang="ja-JP" smtClean="0"/>
+              <a:rPr kumimoji="1" lang="en-US" altLang="ja-JP"/>
               <a:t>5 </a:t>
             </a:r>
             <a:r>
-              <a:rPr kumimoji="1" lang="ja-JP" altLang="en-US" smtClean="0"/>
+              <a:rPr kumimoji="1" lang="ja-JP" altLang="en-US"/>
               <a:t>レベル</a:t>
             </a:r>
-            <a:endParaRPr kumimoji="1" lang="ja-JP" altLang="en-US"/>
           </a:p>
         </p:txBody>
       </p:sp>
@@ -1959,7 +1960,7 @@
           <a:p>
             <a:fld id="{E90ED720-0104-4369-84BC-D37694168613}" type="datetimeFigureOut">
               <a:rPr kumimoji="1" lang="ja-JP" altLang="en-US" smtClean="0"/>
-              <a:t>2016/5/18</a:t>
+              <a:t>2021/2/9</a:t>
             </a:fld>
             <a:endParaRPr kumimoji="1" lang="ja-JP" altLang="en-US" dirty="0"/>
           </a:p>
@@ -2048,10 +2049,9 @@
           <a:lstStyle/>
           <a:p>
             <a:r>
-              <a:rPr kumimoji="1" lang="ja-JP" altLang="en-US" smtClean="0"/>
+              <a:rPr kumimoji="1" lang="ja-JP" altLang="en-US"/>
               <a:t>マスタ タイトルの書式設定</a:t>
             </a:r>
-            <a:endParaRPr kumimoji="1" lang="ja-JP" altLang="en-US"/>
           </a:p>
         </p:txBody>
       </p:sp>
@@ -2072,7 +2072,7 @@
           <a:p>
             <a:fld id="{E90ED720-0104-4369-84BC-D37694168613}" type="datetimeFigureOut">
               <a:rPr kumimoji="1" lang="ja-JP" altLang="en-US" smtClean="0"/>
-              <a:t>2016/5/18</a:t>
+              <a:t>2021/2/9</a:t>
             </a:fld>
             <a:endParaRPr kumimoji="1" lang="ja-JP" altLang="en-US" dirty="0"/>
           </a:p>
@@ -2162,7 +2162,7 @@
           <a:p>
             <a:fld id="{E90ED720-0104-4369-84BC-D37694168613}" type="datetimeFigureOut">
               <a:rPr kumimoji="1" lang="ja-JP" altLang="en-US" smtClean="0"/>
-              <a:t>2016/5/18</a:t>
+              <a:t>2021/2/9</a:t>
             </a:fld>
             <a:endParaRPr kumimoji="1" lang="ja-JP" altLang="en-US" dirty="0"/>
           </a:p>
@@ -2260,10 +2260,9 @@
           </a:lstStyle>
           <a:p>
             <a:r>
-              <a:rPr kumimoji="1" lang="ja-JP" altLang="en-US" smtClean="0"/>
+              <a:rPr kumimoji="1" lang="ja-JP" altLang="en-US"/>
               <a:t>マスタ タイトルの書式設定</a:t>
             </a:r>
-            <a:endParaRPr kumimoji="1" lang="ja-JP" altLang="en-US"/>
           </a:p>
         </p:txBody>
       </p:sp>
@@ -2317,70 +2316,69 @@
           <a:p>
             <a:pPr lvl="0"/>
             <a:r>
-              <a:rPr kumimoji="1" lang="ja-JP" altLang="en-US" smtClean="0"/>
+              <a:rPr kumimoji="1" lang="ja-JP" altLang="en-US"/>
               <a:t>マスタ テキストの書式設定</a:t>
             </a:r>
           </a:p>
           <a:p>
             <a:pPr lvl="1"/>
             <a:r>
-              <a:rPr kumimoji="1" lang="ja-JP" altLang="en-US" smtClean="0"/>
+              <a:rPr kumimoji="1" lang="ja-JP" altLang="en-US"/>
               <a:t>第 </a:t>
             </a:r>
             <a:r>
-              <a:rPr kumimoji="1" lang="en-US" altLang="ja-JP" smtClean="0"/>
+              <a:rPr kumimoji="1" lang="en-US" altLang="ja-JP"/>
               <a:t>2 </a:t>
             </a:r>
             <a:r>
-              <a:rPr kumimoji="1" lang="ja-JP" altLang="en-US" smtClean="0"/>
+              <a:rPr kumimoji="1" lang="ja-JP" altLang="en-US"/>
               <a:t>レベル</a:t>
             </a:r>
           </a:p>
           <a:p>
             <a:pPr lvl="2"/>
             <a:r>
-              <a:rPr kumimoji="1" lang="ja-JP" altLang="en-US" smtClean="0"/>
+              <a:rPr kumimoji="1" lang="ja-JP" altLang="en-US"/>
               <a:t>第 </a:t>
             </a:r>
             <a:r>
-              <a:rPr kumimoji="1" lang="en-US" altLang="ja-JP" smtClean="0"/>
+              <a:rPr kumimoji="1" lang="en-US" altLang="ja-JP"/>
               <a:t>3 </a:t>
             </a:r>
             <a:r>
-              <a:rPr kumimoji="1" lang="ja-JP" altLang="en-US" smtClean="0"/>
+              <a:rPr kumimoji="1" lang="ja-JP" altLang="en-US"/>
               <a:t>レベル</a:t>
             </a:r>
           </a:p>
           <a:p>
             <a:pPr lvl="3"/>
             <a:r>
-              <a:rPr kumimoji="1" lang="ja-JP" altLang="en-US" smtClean="0"/>
+              <a:rPr kumimoji="1" lang="ja-JP" altLang="en-US"/>
               <a:t>第 </a:t>
             </a:r>
             <a:r>
-              <a:rPr kumimoji="1" lang="en-US" altLang="ja-JP" smtClean="0"/>
+              <a:rPr kumimoji="1" lang="en-US" altLang="ja-JP"/>
               <a:t>4 </a:t>
             </a:r>
             <a:r>
-              <a:rPr kumimoji="1" lang="ja-JP" altLang="en-US" smtClean="0"/>
+              <a:rPr kumimoji="1" lang="ja-JP" altLang="en-US"/>
               <a:t>レベル</a:t>
             </a:r>
           </a:p>
           <a:p>
             <a:pPr lvl="4"/>
             <a:r>
-              <a:rPr kumimoji="1" lang="ja-JP" altLang="en-US" smtClean="0"/>
+              <a:rPr kumimoji="1" lang="ja-JP" altLang="en-US"/>
               <a:t>第 </a:t>
             </a:r>
             <a:r>
-              <a:rPr kumimoji="1" lang="en-US" altLang="ja-JP" smtClean="0"/>
+              <a:rPr kumimoji="1" lang="en-US" altLang="ja-JP"/>
               <a:t>5 </a:t>
             </a:r>
             <a:r>
-              <a:rPr kumimoji="1" lang="ja-JP" altLang="en-US" smtClean="0"/>
+              <a:rPr kumimoji="1" lang="ja-JP" altLang="en-US"/>
               <a:t>レベル</a:t>
             </a:r>
-            <a:endParaRPr kumimoji="1" lang="ja-JP" altLang="en-US"/>
           </a:p>
         </p:txBody>
       </p:sp>
@@ -2443,7 +2441,7 @@
           <a:p>
             <a:pPr lvl="0"/>
             <a:r>
-              <a:rPr kumimoji="1" lang="ja-JP" altLang="en-US" smtClean="0"/>
+              <a:rPr kumimoji="1" lang="ja-JP" altLang="en-US"/>
               <a:t>マスタ テキストの書式設定</a:t>
             </a:r>
           </a:p>
@@ -2466,7 +2464,7 @@
           <a:p>
             <a:fld id="{E90ED720-0104-4369-84BC-D37694168613}" type="datetimeFigureOut">
               <a:rPr kumimoji="1" lang="ja-JP" altLang="en-US" smtClean="0"/>
-              <a:t>2016/5/18</a:t>
+              <a:t>2021/2/9</a:t>
             </a:fld>
             <a:endParaRPr kumimoji="1" lang="ja-JP" altLang="en-US" dirty="0"/>
           </a:p>
@@ -2564,10 +2562,9 @@
           </a:lstStyle>
           <a:p>
             <a:r>
-              <a:rPr kumimoji="1" lang="ja-JP" altLang="en-US" smtClean="0"/>
+              <a:rPr kumimoji="1" lang="ja-JP" altLang="en-US"/>
               <a:t>マスタ タイトルの書式設定</a:t>
             </a:r>
-            <a:endParaRPr kumimoji="1" lang="ja-JP" altLang="en-US"/>
           </a:p>
         </p:txBody>
       </p:sp>
@@ -2691,7 +2688,7 @@
           <a:p>
             <a:pPr lvl="0"/>
             <a:r>
-              <a:rPr kumimoji="1" lang="ja-JP" altLang="en-US" smtClean="0"/>
+              <a:rPr kumimoji="1" lang="ja-JP" altLang="en-US"/>
               <a:t>マスタ テキストの書式設定</a:t>
             </a:r>
           </a:p>
@@ -2714,7 +2711,7 @@
           <a:p>
             <a:fld id="{E90ED720-0104-4369-84BC-D37694168613}" type="datetimeFigureOut">
               <a:rPr kumimoji="1" lang="ja-JP" altLang="en-US" smtClean="0"/>
-              <a:t>2016/5/18</a:t>
+              <a:t>2021/2/9</a:t>
             </a:fld>
             <a:endParaRPr kumimoji="1" lang="ja-JP" altLang="en-US" dirty="0"/>
           </a:p>
@@ -2818,10 +2815,9 @@
           <a:lstStyle/>
           <a:p>
             <a:r>
-              <a:rPr kumimoji="1" lang="ja-JP" altLang="en-US" smtClean="0"/>
+              <a:rPr kumimoji="1" lang="ja-JP" altLang="en-US"/>
               <a:t>マスタ タイトルの書式設定</a:t>
             </a:r>
-            <a:endParaRPr kumimoji="1" lang="ja-JP" altLang="en-US"/>
           </a:p>
         </p:txBody>
       </p:sp>
@@ -2852,70 +2848,69 @@
           <a:p>
             <a:pPr lvl="0"/>
             <a:r>
-              <a:rPr kumimoji="1" lang="ja-JP" altLang="en-US" smtClean="0"/>
+              <a:rPr kumimoji="1" lang="ja-JP" altLang="en-US"/>
               <a:t>マスタ テキストの書式設定</a:t>
             </a:r>
           </a:p>
           <a:p>
             <a:pPr lvl="1"/>
             <a:r>
-              <a:rPr kumimoji="1" lang="ja-JP" altLang="en-US" smtClean="0"/>
+              <a:rPr kumimoji="1" lang="ja-JP" altLang="en-US"/>
               <a:t>第 </a:t>
             </a:r>
             <a:r>
-              <a:rPr kumimoji="1" lang="en-US" altLang="ja-JP" smtClean="0"/>
+              <a:rPr kumimoji="1" lang="en-US" altLang="ja-JP"/>
               <a:t>2 </a:t>
             </a:r>
             <a:r>
-              <a:rPr kumimoji="1" lang="ja-JP" altLang="en-US" smtClean="0"/>
+              <a:rPr kumimoji="1" lang="ja-JP" altLang="en-US"/>
               <a:t>レベル</a:t>
             </a:r>
           </a:p>
           <a:p>
             <a:pPr lvl="2"/>
             <a:r>
-              <a:rPr kumimoji="1" lang="ja-JP" altLang="en-US" smtClean="0"/>
+              <a:rPr kumimoji="1" lang="ja-JP" altLang="en-US"/>
               <a:t>第 </a:t>
             </a:r>
             <a:r>
-              <a:rPr kumimoji="1" lang="en-US" altLang="ja-JP" smtClean="0"/>
+              <a:rPr kumimoji="1" lang="en-US" altLang="ja-JP"/>
               <a:t>3 </a:t>
             </a:r>
             <a:r>
-              <a:rPr kumimoji="1" lang="ja-JP" altLang="en-US" smtClean="0"/>
+              <a:rPr kumimoji="1" lang="ja-JP" altLang="en-US"/>
               <a:t>レベル</a:t>
             </a:r>
           </a:p>
           <a:p>
             <a:pPr lvl="3"/>
             <a:r>
-              <a:rPr kumimoji="1" lang="ja-JP" altLang="en-US" smtClean="0"/>
+              <a:rPr kumimoji="1" lang="ja-JP" altLang="en-US"/>
               <a:t>第 </a:t>
             </a:r>
             <a:r>
-              <a:rPr kumimoji="1" lang="en-US" altLang="ja-JP" smtClean="0"/>
+              <a:rPr kumimoji="1" lang="en-US" altLang="ja-JP"/>
               <a:t>4 </a:t>
             </a:r>
             <a:r>
-              <a:rPr kumimoji="1" lang="ja-JP" altLang="en-US" smtClean="0"/>
+              <a:rPr kumimoji="1" lang="ja-JP" altLang="en-US"/>
               <a:t>レベル</a:t>
             </a:r>
           </a:p>
           <a:p>
             <a:pPr lvl="4"/>
             <a:r>
-              <a:rPr kumimoji="1" lang="ja-JP" altLang="en-US" smtClean="0"/>
+              <a:rPr kumimoji="1" lang="ja-JP" altLang="en-US"/>
               <a:t>第 </a:t>
             </a:r>
             <a:r>
-              <a:rPr kumimoji="1" lang="en-US" altLang="ja-JP" smtClean="0"/>
+              <a:rPr kumimoji="1" lang="en-US" altLang="ja-JP"/>
               <a:t>5 </a:t>
             </a:r>
             <a:r>
-              <a:rPr kumimoji="1" lang="ja-JP" altLang="en-US" smtClean="0"/>
+              <a:rPr kumimoji="1" lang="ja-JP" altLang="en-US"/>
               <a:t>レベル</a:t>
             </a:r>
-            <a:endParaRPr kumimoji="1" lang="ja-JP" altLang="en-US"/>
           </a:p>
         </p:txBody>
       </p:sp>
@@ -2954,7 +2949,7 @@
           <a:p>
             <a:fld id="{E90ED720-0104-4369-84BC-D37694168613}" type="datetimeFigureOut">
               <a:rPr kumimoji="1" lang="ja-JP" altLang="en-US" smtClean="0"/>
-              <a:t>2016/5/18</a:t>
+              <a:t>2021/2/9</a:t>
             </a:fld>
             <a:endParaRPr kumimoji="1" lang="ja-JP" altLang="en-US" dirty="0"/>
           </a:p>
@@ -5512,7 +5507,7 @@
                 <a:defRPr sz="1000"/>
               </a:pPr>
               <a:r>
-                <a:rPr lang="en-US" altLang="ja-JP" sz="500" dirty="0" err="1" smtClean="0">
+                <a:rPr lang="en-US" altLang="ja-JP" sz="500" dirty="0" err="1">
                   <a:solidFill>
                     <a:srgbClr val="000000"/>
                   </a:solidFill>
@@ -5523,7 +5518,7 @@
                 <a:t>src</a:t>
               </a:r>
               <a:r>
-                <a:rPr lang="en-US" altLang="ja-JP" sz="500" dirty="0" smtClean="0">
+                <a:rPr lang="en-US" altLang="ja-JP" sz="500" dirty="0">
                   <a:solidFill>
                     <a:srgbClr val="000000"/>
                   </a:solidFill>
@@ -5686,17 +5681,9 @@
                   <a:ea typeface="メイリオ" panose="020B0604030504040204" pitchFamily="50" charset="-128"/>
                   <a:cs typeface="メイリオ" panose="020B0604030504040204" pitchFamily="50" charset="-128"/>
                 </a:rPr>
-                <a:t>コンポーネント定義</a:t>
+                <a:t>コンポーネント定義ファイル</a:t>
               </a:r>
-              <a:r>
-                <a:rPr lang="ja-JP" altLang="en-US" sz="500" dirty="0" smtClean="0">
-                  <a:latin typeface="メイリオ" panose="020B0604030504040204" pitchFamily="50" charset="-128"/>
-                  <a:ea typeface="メイリオ" panose="020B0604030504040204" pitchFamily="50" charset="-128"/>
-                  <a:cs typeface="メイリオ" panose="020B0604030504040204" pitchFamily="50" charset="-128"/>
-                </a:rPr>
-                <a:t>ファイル</a:t>
-              </a:r>
-              <a:endParaRPr lang="en-US" altLang="ja-JP" sz="500" dirty="0" smtClean="0">
+              <a:endParaRPr lang="en-US" altLang="ja-JP" sz="500" dirty="0">
                 <a:latin typeface="メイリオ" panose="020B0604030504040204" pitchFamily="50" charset="-128"/>
                 <a:ea typeface="メイリオ" panose="020B0604030504040204" pitchFamily="50" charset="-128"/>
                 <a:cs typeface="メイリオ" panose="020B0604030504040204" pitchFamily="50" charset="-128"/>
@@ -5707,20 +5694,12 @@
                 <a:defRPr sz="1000"/>
               </a:pPr>
               <a:r>
-                <a:rPr lang="en-US" altLang="ja-JP" sz="500" dirty="0" smtClean="0">
-                  <a:latin typeface="メイリオ" panose="020B0604030504040204" pitchFamily="50" charset="-128"/>
-                  <a:ea typeface="メイリオ" panose="020B0604030504040204" pitchFamily="50" charset="-128"/>
-                  <a:cs typeface="メイリオ" panose="020B0604030504040204" pitchFamily="50" charset="-128"/>
-                </a:rPr>
-                <a:t>(</a:t>
-              </a:r>
-              <a:r>
                 <a:rPr lang="en-US" altLang="ja-JP" sz="500" dirty="0">
                   <a:latin typeface="メイリオ" panose="020B0604030504040204" pitchFamily="50" charset="-128"/>
                   <a:ea typeface="メイリオ" panose="020B0604030504040204" pitchFamily="50" charset="-128"/>
                   <a:cs typeface="メイリオ" panose="020B0604030504040204" pitchFamily="50" charset="-128"/>
                 </a:rPr>
-                <a:t>xml</a:t>
+                <a:t>(xml</a:t>
               </a:r>
               <a:r>
                 <a:rPr lang="ja-JP" altLang="en-US" sz="500" dirty="0">
@@ -5853,7 +5832,7 @@
                 <a:defRPr sz="1000"/>
               </a:pPr>
               <a:r>
-                <a:rPr lang="en-US" altLang="ja-JP" sz="500" dirty="0" err="1" smtClean="0">
+                <a:rPr lang="en-US" altLang="ja-JP" sz="500" dirty="0" err="1">
                   <a:solidFill>
                     <a:srgbClr val="000000"/>
                   </a:solidFill>
@@ -5864,7 +5843,7 @@
                 <a:t>src</a:t>
               </a:r>
               <a:r>
-                <a:rPr lang="en-US" altLang="ja-JP" sz="500" smtClean="0">
+                <a:rPr lang="en-US" altLang="ja-JP" sz="500">
                   <a:solidFill>
                     <a:srgbClr val="000000"/>
                   </a:solidFill>
@@ -5875,7 +5854,7 @@
                 <a:t>/prod/resources</a:t>
               </a:r>
               <a:r>
-                <a:rPr lang="en-US" altLang="ja-JP" sz="500" dirty="0" smtClean="0">
+                <a:rPr lang="en-US" altLang="ja-JP" sz="500" dirty="0">
                   <a:solidFill>
                     <a:srgbClr val="000000"/>
                   </a:solidFill>
@@ -5998,17 +5977,9 @@
                   <a:ea typeface="メイリオ" panose="020B0604030504040204" pitchFamily="50" charset="-128"/>
                   <a:cs typeface="メイリオ" panose="020B0604030504040204" pitchFamily="50" charset="-128"/>
                 </a:rPr>
-                <a:t>環境設定</a:t>
+                <a:t>環境設定ファイル</a:t>
               </a:r>
-              <a:r>
-                <a:rPr lang="ja-JP" altLang="en-US" sz="500" dirty="0" smtClean="0">
-                  <a:latin typeface="メイリオ" panose="020B0604030504040204" pitchFamily="50" charset="-128"/>
-                  <a:ea typeface="メイリオ" panose="020B0604030504040204" pitchFamily="50" charset="-128"/>
-                  <a:cs typeface="メイリオ" panose="020B0604030504040204" pitchFamily="50" charset="-128"/>
-                </a:rPr>
-                <a:t>ファイル</a:t>
-              </a:r>
-              <a:endParaRPr lang="en-US" altLang="ja-JP" sz="500" dirty="0" smtClean="0">
+              <a:endParaRPr lang="en-US" altLang="ja-JP" sz="500" dirty="0">
                 <a:latin typeface="メイリオ" panose="020B0604030504040204" pitchFamily="50" charset="-128"/>
                 <a:ea typeface="メイリオ" panose="020B0604030504040204" pitchFamily="50" charset="-128"/>
                 <a:cs typeface="メイリオ" panose="020B0604030504040204" pitchFamily="50" charset="-128"/>
@@ -6019,28 +5990,12 @@
                 <a:defRPr sz="1000"/>
               </a:pPr>
               <a:r>
-                <a:rPr lang="en-US" altLang="ja-JP" sz="500" dirty="0" smtClean="0">
+                <a:rPr lang="en-US" altLang="ja-JP" sz="500" dirty="0">
                   <a:latin typeface="メイリオ" panose="020B0604030504040204" pitchFamily="50" charset="-128"/>
                   <a:ea typeface="メイリオ" panose="020B0604030504040204" pitchFamily="50" charset="-128"/>
                   <a:cs typeface="メイリオ" panose="020B0604030504040204" pitchFamily="50" charset="-128"/>
                 </a:rPr>
-                <a:t>(</a:t>
-              </a:r>
-              <a:r>
-                <a:rPr lang="en-US" altLang="ja-JP" sz="500" dirty="0" err="1" smtClean="0">
-                  <a:latin typeface="メイリオ" panose="020B0604030504040204" pitchFamily="50" charset="-128"/>
-                  <a:ea typeface="メイリオ" panose="020B0604030504040204" pitchFamily="50" charset="-128"/>
-                  <a:cs typeface="メイリオ" panose="020B0604030504040204" pitchFamily="50" charset="-128"/>
-                </a:rPr>
-                <a:t>env.config</a:t>
-              </a:r>
-              <a:r>
-                <a:rPr lang="en-US" altLang="ja-JP" sz="500" dirty="0" smtClean="0">
-                  <a:latin typeface="メイリオ" panose="020B0604030504040204" pitchFamily="50" charset="-128"/>
-                  <a:ea typeface="メイリオ" panose="020B0604030504040204" pitchFamily="50" charset="-128"/>
-                  <a:cs typeface="メイリオ" panose="020B0604030504040204" pitchFamily="50" charset="-128"/>
-                </a:rPr>
-                <a:t>)</a:t>
+                <a:t>(env.properties)</a:t>
               </a:r>
               <a:endParaRPr lang="ja-JP" altLang="en-US" sz="500" dirty="0">
                 <a:latin typeface="メイリオ" panose="020B0604030504040204" pitchFamily="50" charset="-128"/>
@@ -6322,18 +6277,13 @@
                 <a:defRPr sz="1000"/>
               </a:pPr>
               <a:r>
-                <a:rPr lang="ja-JP" altLang="en-US" sz="500" dirty="0" smtClean="0">
+                <a:rPr lang="ja-JP" altLang="en-US" sz="500" dirty="0">
                   <a:latin typeface="メイリオ" panose="020B0604030504040204" pitchFamily="50" charset="-128"/>
                   <a:ea typeface="メイリオ" panose="020B0604030504040204" pitchFamily="50" charset="-128"/>
                   <a:cs typeface="メイリオ" panose="020B0604030504040204" pitchFamily="50" charset="-128"/>
                 </a:rPr>
                 <a:t>他の環境用ディレクトリは略</a:t>
               </a:r>
-              <a:endParaRPr lang="ja-JP" altLang="en-US" sz="500" dirty="0">
-                <a:latin typeface="メイリオ" panose="020B0604030504040204" pitchFamily="50" charset="-128"/>
-                <a:ea typeface="メイリオ" panose="020B0604030504040204" pitchFamily="50" charset="-128"/>
-                <a:cs typeface="メイリオ" panose="020B0604030504040204" pitchFamily="50" charset="-128"/>
-              </a:endParaRPr>
             </a:p>
           </p:txBody>
         </p:sp>
@@ -6357,7 +6307,6 @@
             <a:ln>
               <a:noFill/>
             </a:ln>
-            <a:extLst/>
           </p:spPr>
           <p:txBody>
             <a:bodyPr wrap="square" lIns="27432" tIns="18288" rIns="27432" bIns="0" anchor="t" upright="1"/>
@@ -6431,7 +6380,7 @@
                 <a:defRPr sz="1000"/>
               </a:pPr>
               <a:r>
-                <a:rPr lang="ja-JP" altLang="en-US" sz="500" dirty="0" smtClean="0">
+                <a:rPr lang="ja-JP" altLang="en-US" sz="500" dirty="0">
                   <a:latin typeface="メイリオ" panose="020B0604030504040204" pitchFamily="50" charset="-128"/>
                   <a:ea typeface="メイリオ" panose="020B0604030504040204" pitchFamily="50" charset="-128"/>
                   <a:cs typeface="メイリオ" panose="020B0604030504040204" pitchFamily="50" charset="-128"/>
@@ -6439,7 +6388,7 @@
                 <a:t>プロファイルを指定して</a:t>
               </a:r>
               <a:r>
-                <a:rPr lang="en-US" altLang="ja-JP" sz="500" dirty="0" err="1" smtClean="0">
+                <a:rPr lang="en-US" altLang="ja-JP" sz="500" dirty="0" err="1">
                   <a:latin typeface="メイリオ" panose="020B0604030504040204" pitchFamily="50" charset="-128"/>
                   <a:ea typeface="メイリオ" panose="020B0604030504040204" pitchFamily="50" charset="-128"/>
                   <a:cs typeface="メイリオ" panose="020B0604030504040204" pitchFamily="50" charset="-128"/>
@@ -6447,14 +6396,14 @@
                 <a:t>mvn</a:t>
               </a:r>
               <a:r>
-                <a:rPr lang="ja-JP" altLang="en-US" sz="500" dirty="0" smtClean="0">
+                <a:rPr lang="ja-JP" altLang="en-US" sz="500" dirty="0">
                   <a:latin typeface="メイリオ" panose="020B0604030504040204" pitchFamily="50" charset="-128"/>
                   <a:ea typeface="メイリオ" panose="020B0604030504040204" pitchFamily="50" charset="-128"/>
                   <a:cs typeface="メイリオ" panose="020B0604030504040204" pitchFamily="50" charset="-128"/>
                 </a:rPr>
                 <a:t>でビルドを実行</a:t>
               </a:r>
-              <a:endParaRPr lang="en-US" altLang="ja-JP" sz="500" dirty="0" smtClean="0">
+              <a:endParaRPr lang="en-US" altLang="ja-JP" sz="500" dirty="0">
                 <a:latin typeface="メイリオ" panose="020B0604030504040204" pitchFamily="50" charset="-128"/>
                 <a:ea typeface="メイリオ" panose="020B0604030504040204" pitchFamily="50" charset="-128"/>
                 <a:cs typeface="メイリオ" panose="020B0604030504040204" pitchFamily="50" charset="-128"/>
@@ -6465,7 +6414,7 @@
                 <a:defRPr sz="1000"/>
               </a:pPr>
               <a:r>
-                <a:rPr lang="en-US" altLang="ja-JP" sz="500" dirty="0" smtClean="0">
+                <a:rPr lang="en-US" altLang="ja-JP" sz="500" dirty="0">
                   <a:latin typeface="メイリオ" panose="020B0604030504040204" pitchFamily="50" charset="-128"/>
                   <a:ea typeface="メイリオ" panose="020B0604030504040204" pitchFamily="50" charset="-128"/>
                   <a:cs typeface="メイリオ" panose="020B0604030504040204" pitchFamily="50" charset="-128"/>
@@ -6473,7 +6422,7 @@
                 <a:t>(</a:t>
               </a:r>
               <a:r>
-                <a:rPr lang="ja-JP" altLang="en-US" sz="500" dirty="0" smtClean="0">
+                <a:rPr lang="ja-JP" altLang="en-US" sz="500" dirty="0">
                   <a:latin typeface="メイリオ" panose="020B0604030504040204" pitchFamily="50" charset="-128"/>
                   <a:ea typeface="メイリオ" panose="020B0604030504040204" pitchFamily="50" charset="-128"/>
                   <a:cs typeface="メイリオ" panose="020B0604030504040204" pitchFamily="50" charset="-128"/>
@@ -6481,7 +6430,7 @@
                 <a:t>本番</a:t>
               </a:r>
               <a:r>
-                <a:rPr lang="zh-TW" altLang="en-US" sz="500" dirty="0" smtClean="0">
+                <a:rPr lang="zh-TW" altLang="en-US" sz="500" dirty="0">
                   <a:latin typeface="メイリオ" panose="020B0604030504040204" pitchFamily="50" charset="-128"/>
                   <a:ea typeface="メイリオ" panose="020B0604030504040204" pitchFamily="50" charset="-128"/>
                   <a:cs typeface="メイリオ" panose="020B0604030504040204" pitchFamily="50" charset="-128"/>
@@ -6489,7 +6438,7 @@
                 <a:t>環境</a:t>
               </a:r>
               <a:r>
-                <a:rPr lang="ja-JP" altLang="en-US" sz="500" dirty="0" smtClean="0">
+                <a:rPr lang="ja-JP" altLang="en-US" sz="500" dirty="0">
                   <a:latin typeface="メイリオ" panose="020B0604030504040204" pitchFamily="50" charset="-128"/>
                   <a:ea typeface="メイリオ" panose="020B0604030504040204" pitchFamily="50" charset="-128"/>
                   <a:cs typeface="メイリオ" panose="020B0604030504040204" pitchFamily="50" charset="-128"/>
@@ -6497,7 +6446,7 @@
                 <a:t>を指定したとする</a:t>
               </a:r>
               <a:r>
-                <a:rPr lang="en-US" altLang="ja-JP" sz="500" dirty="0" smtClean="0">
+                <a:rPr lang="en-US" altLang="ja-JP" sz="500" dirty="0">
                   <a:latin typeface="メイリオ" panose="020B0604030504040204" pitchFamily="50" charset="-128"/>
                   <a:ea typeface="メイリオ" panose="020B0604030504040204" pitchFamily="50" charset="-128"/>
                   <a:cs typeface="メイリオ" panose="020B0604030504040204" pitchFamily="50" charset="-128"/>
@@ -6657,17 +6606,9 @@
                   <a:ea typeface="メイリオ" panose="020B0604030504040204" pitchFamily="50" charset="-128"/>
                   <a:cs typeface="メイリオ" panose="020B0604030504040204" pitchFamily="50" charset="-128"/>
                 </a:rPr>
-                <a:t>コンポーネント定義</a:t>
+                <a:t>コンポーネント定義ファイル</a:t>
               </a:r>
-              <a:r>
-                <a:rPr lang="ja-JP" altLang="en-US" sz="500" dirty="0" smtClean="0">
-                  <a:latin typeface="メイリオ" panose="020B0604030504040204" pitchFamily="50" charset="-128"/>
-                  <a:ea typeface="メイリオ" panose="020B0604030504040204" pitchFamily="50" charset="-128"/>
-                  <a:cs typeface="メイリオ" panose="020B0604030504040204" pitchFamily="50" charset="-128"/>
-                </a:rPr>
-                <a:t>ファイル</a:t>
-              </a:r>
-              <a:endParaRPr lang="en-US" altLang="ja-JP" sz="500" dirty="0" smtClean="0">
+              <a:endParaRPr lang="en-US" altLang="ja-JP" sz="500" dirty="0">
                 <a:latin typeface="メイリオ" panose="020B0604030504040204" pitchFamily="50" charset="-128"/>
                 <a:ea typeface="メイリオ" panose="020B0604030504040204" pitchFamily="50" charset="-128"/>
                 <a:cs typeface="メイリオ" panose="020B0604030504040204" pitchFamily="50" charset="-128"/>
@@ -6678,20 +6619,12 @@
                 <a:defRPr sz="1000"/>
               </a:pPr>
               <a:r>
-                <a:rPr lang="en-US" altLang="ja-JP" sz="500" dirty="0" smtClean="0">
-                  <a:latin typeface="メイリオ" panose="020B0604030504040204" pitchFamily="50" charset="-128"/>
-                  <a:ea typeface="メイリオ" panose="020B0604030504040204" pitchFamily="50" charset="-128"/>
-                  <a:cs typeface="メイリオ" panose="020B0604030504040204" pitchFamily="50" charset="-128"/>
-                </a:rPr>
-                <a:t>(</a:t>
-              </a:r>
-              <a:r>
                 <a:rPr lang="en-US" altLang="ja-JP" sz="500" dirty="0">
                   <a:latin typeface="メイリオ" panose="020B0604030504040204" pitchFamily="50" charset="-128"/>
                   <a:ea typeface="メイリオ" panose="020B0604030504040204" pitchFamily="50" charset="-128"/>
                   <a:cs typeface="メイリオ" panose="020B0604030504040204" pitchFamily="50" charset="-128"/>
                 </a:rPr>
-                <a:t>xml</a:t>
+                <a:t>(xml</a:t>
               </a:r>
               <a:r>
                 <a:rPr lang="ja-JP" altLang="en-US" sz="500" dirty="0">
@@ -6824,7 +6757,7 @@
                 <a:defRPr sz="1000"/>
               </a:pPr>
               <a:r>
-                <a:rPr lang="en-US" altLang="ja-JP" sz="500" dirty="0" smtClean="0">
+                <a:rPr lang="en-US" altLang="ja-JP" sz="500" dirty="0">
                   <a:solidFill>
                     <a:srgbClr val="000000"/>
                   </a:solidFill>
@@ -6840,7 +6773,7 @@
                 <a:defRPr sz="1000"/>
               </a:pPr>
               <a:r>
-                <a:rPr lang="en-US" altLang="ja-JP" sz="500" dirty="0" smtClean="0">
+                <a:rPr lang="en-US" altLang="ja-JP" sz="500" dirty="0">
                   <a:solidFill>
                     <a:srgbClr val="000000"/>
                   </a:solidFill>
@@ -6851,7 +6784,7 @@
                 <a:t>(</a:t>
               </a:r>
               <a:r>
-                <a:rPr lang="ja-JP" altLang="en-US" sz="500" dirty="0" smtClean="0">
+                <a:rPr lang="ja-JP" altLang="en-US" sz="500" dirty="0">
                   <a:solidFill>
                     <a:srgbClr val="000000"/>
                   </a:solidFill>
@@ -6862,7 +6795,7 @@
                 <a:t>ビルド結果が格納されるディレクトリ</a:t>
               </a:r>
               <a:r>
-                <a:rPr lang="en-US" altLang="ja-JP" sz="500" dirty="0" smtClean="0">
+                <a:rPr lang="en-US" altLang="ja-JP" sz="500" dirty="0">
                   <a:solidFill>
                     <a:srgbClr val="000000"/>
                   </a:solidFill>
@@ -7025,17 +6958,9 @@
                   <a:ea typeface="メイリオ" panose="020B0604030504040204" pitchFamily="50" charset="-128"/>
                   <a:cs typeface="メイリオ" panose="020B0604030504040204" pitchFamily="50" charset="-128"/>
                 </a:rPr>
-                <a:t>コンポーネント定義</a:t>
+                <a:t>コンポーネント定義ファイル</a:t>
               </a:r>
-              <a:r>
-                <a:rPr lang="ja-JP" altLang="en-US" sz="500" dirty="0" smtClean="0">
-                  <a:latin typeface="メイリオ" panose="020B0604030504040204" pitchFamily="50" charset="-128"/>
-                  <a:ea typeface="メイリオ" panose="020B0604030504040204" pitchFamily="50" charset="-128"/>
-                  <a:cs typeface="メイリオ" panose="020B0604030504040204" pitchFamily="50" charset="-128"/>
-                </a:rPr>
-                <a:t>ファイル</a:t>
-              </a:r>
-              <a:endParaRPr lang="en-US" altLang="ja-JP" sz="500" dirty="0" smtClean="0">
+              <a:endParaRPr lang="en-US" altLang="ja-JP" sz="500" dirty="0">
                 <a:latin typeface="メイリオ" panose="020B0604030504040204" pitchFamily="50" charset="-128"/>
                 <a:ea typeface="メイリオ" panose="020B0604030504040204" pitchFamily="50" charset="-128"/>
                 <a:cs typeface="メイリオ" panose="020B0604030504040204" pitchFamily="50" charset="-128"/>
@@ -7046,20 +6971,12 @@
                 <a:defRPr sz="1000"/>
               </a:pPr>
               <a:r>
-                <a:rPr lang="en-US" altLang="ja-JP" sz="500" dirty="0" smtClean="0">
-                  <a:latin typeface="メイリオ" panose="020B0604030504040204" pitchFamily="50" charset="-128"/>
-                  <a:ea typeface="メイリオ" panose="020B0604030504040204" pitchFamily="50" charset="-128"/>
-                  <a:cs typeface="メイリオ" panose="020B0604030504040204" pitchFamily="50" charset="-128"/>
-                </a:rPr>
-                <a:t>(</a:t>
-              </a:r>
-              <a:r>
                 <a:rPr lang="en-US" altLang="ja-JP" sz="500" dirty="0">
                   <a:latin typeface="メイリオ" panose="020B0604030504040204" pitchFamily="50" charset="-128"/>
                   <a:ea typeface="メイリオ" panose="020B0604030504040204" pitchFamily="50" charset="-128"/>
                   <a:cs typeface="メイリオ" panose="020B0604030504040204" pitchFamily="50" charset="-128"/>
                 </a:rPr>
-                <a:t>xml</a:t>
+                <a:t>(xml</a:t>
               </a:r>
               <a:r>
                 <a:rPr lang="ja-JP" altLang="en-US" sz="500" dirty="0">
@@ -7323,17 +7240,9 @@
                   <a:ea typeface="メイリオ" panose="020B0604030504040204" pitchFamily="50" charset="-128"/>
                   <a:cs typeface="メイリオ" panose="020B0604030504040204" pitchFamily="50" charset="-128"/>
                 </a:rPr>
-                <a:t>コンポーネント定義</a:t>
+                <a:t>コンポーネント定義ファイル</a:t>
               </a:r>
-              <a:r>
-                <a:rPr lang="ja-JP" altLang="en-US" sz="500" dirty="0" smtClean="0">
-                  <a:latin typeface="メイリオ" panose="020B0604030504040204" pitchFamily="50" charset="-128"/>
-                  <a:ea typeface="メイリオ" panose="020B0604030504040204" pitchFamily="50" charset="-128"/>
-                  <a:cs typeface="メイリオ" panose="020B0604030504040204" pitchFamily="50" charset="-128"/>
-                </a:rPr>
-                <a:t>ファイル</a:t>
-              </a:r>
-              <a:endParaRPr lang="en-US" altLang="ja-JP" sz="500" dirty="0" smtClean="0">
+              <a:endParaRPr lang="en-US" altLang="ja-JP" sz="500" dirty="0">
                 <a:latin typeface="メイリオ" panose="020B0604030504040204" pitchFamily="50" charset="-128"/>
                 <a:ea typeface="メイリオ" panose="020B0604030504040204" pitchFamily="50" charset="-128"/>
                 <a:cs typeface="メイリオ" panose="020B0604030504040204" pitchFamily="50" charset="-128"/>
@@ -7344,20 +7253,12 @@
                 <a:defRPr sz="1000"/>
               </a:pPr>
               <a:r>
-                <a:rPr lang="en-US" altLang="ja-JP" sz="500" dirty="0" smtClean="0">
-                  <a:latin typeface="メイリオ" panose="020B0604030504040204" pitchFamily="50" charset="-128"/>
-                  <a:ea typeface="メイリオ" panose="020B0604030504040204" pitchFamily="50" charset="-128"/>
-                  <a:cs typeface="メイリオ" panose="020B0604030504040204" pitchFamily="50" charset="-128"/>
-                </a:rPr>
-                <a:t>(</a:t>
-              </a:r>
-              <a:r>
                 <a:rPr lang="en-US" altLang="ja-JP" sz="500" dirty="0">
                   <a:latin typeface="メイリオ" panose="020B0604030504040204" pitchFamily="50" charset="-128"/>
                   <a:ea typeface="メイリオ" panose="020B0604030504040204" pitchFamily="50" charset="-128"/>
                   <a:cs typeface="メイリオ" panose="020B0604030504040204" pitchFamily="50" charset="-128"/>
                 </a:rPr>
-                <a:t>xml</a:t>
+                <a:t>(xml</a:t>
               </a:r>
               <a:r>
                 <a:rPr lang="ja-JP" altLang="en-US" sz="500" dirty="0">
@@ -7506,23 +7407,7 @@
                   <a:ea typeface="メイリオ" panose="020B0604030504040204" pitchFamily="50" charset="-128"/>
                   <a:cs typeface="メイリオ" panose="020B0604030504040204" pitchFamily="50" charset="-128"/>
                 </a:rPr>
-                <a:t>(</a:t>
-              </a:r>
-              <a:r>
-                <a:rPr lang="en-US" altLang="ja-JP" sz="500" dirty="0" err="1">
-                  <a:latin typeface="メイリオ" panose="020B0604030504040204" pitchFamily="50" charset="-128"/>
-                  <a:ea typeface="メイリオ" panose="020B0604030504040204" pitchFamily="50" charset="-128"/>
-                  <a:cs typeface="メイリオ" panose="020B0604030504040204" pitchFamily="50" charset="-128"/>
-                </a:rPr>
-                <a:t>env.config</a:t>
-              </a:r>
-              <a:r>
-                <a:rPr lang="en-US" altLang="ja-JP" sz="500" dirty="0">
-                  <a:latin typeface="メイリオ" panose="020B0604030504040204" pitchFamily="50" charset="-128"/>
-                  <a:ea typeface="メイリオ" panose="020B0604030504040204" pitchFamily="50" charset="-128"/>
-                  <a:cs typeface="メイリオ" panose="020B0604030504040204" pitchFamily="50" charset="-128"/>
-                </a:rPr>
-                <a:t>)</a:t>
+                <a:t>(env.properties)</a:t>
               </a:r>
               <a:endParaRPr lang="ja-JP" altLang="en-US" sz="500" dirty="0">
                 <a:latin typeface="メイリオ" panose="020B0604030504040204" pitchFamily="50" charset="-128"/>
@@ -7641,7 +7526,6 @@
             <a:ln>
               <a:noFill/>
             </a:ln>
-            <a:extLst/>
           </p:spPr>
           <p:txBody>
             <a:bodyPr wrap="square" lIns="27432" tIns="18288" rIns="27432" bIns="0" anchor="t" upright="1"/>
@@ -7734,21 +7618,10 @@
                   <a:ea typeface="メイリオ" panose="020B0604030504040204" pitchFamily="50" charset="-128"/>
                   <a:cs typeface="メイリオ" panose="020B0604030504040204" pitchFamily="50" charset="-128"/>
                 </a:rPr>
-                <a:t>/main/resources</a:t>
+                <a:t>/main/resources/</a:t>
               </a:r>
               <a:r>
-                <a:rPr lang="en-US" altLang="ja-JP" sz="500" dirty="0" smtClean="0">
-                  <a:solidFill>
-                    <a:srgbClr val="000000"/>
-                  </a:solidFill>
-                  <a:latin typeface="メイリオ" panose="020B0604030504040204" pitchFamily="50" charset="-128"/>
-                  <a:ea typeface="メイリオ" panose="020B0604030504040204" pitchFamily="50" charset="-128"/>
-                  <a:cs typeface="メイリオ" panose="020B0604030504040204" pitchFamily="50" charset="-128"/>
-                </a:rPr>
-                <a:t>/</a:t>
-              </a:r>
-              <a:r>
-                <a:rPr lang="ja-JP" altLang="en-US" sz="500" dirty="0" smtClean="0">
+                <a:rPr lang="ja-JP" altLang="en-US" sz="500" dirty="0">
                   <a:solidFill>
                     <a:srgbClr val="000000"/>
                   </a:solidFill>
@@ -7964,7 +7837,6 @@
             <a:ln>
               <a:noFill/>
             </a:ln>
-            <a:extLst/>
           </p:spPr>
           <p:txBody>
             <a:bodyPr wrap="square" lIns="27432" tIns="18288" rIns="27432" bIns="0" anchor="t" upright="1"/>
@@ -8038,7 +7910,7 @@
                 <a:defRPr sz="1000"/>
               </a:pPr>
               <a:r>
-                <a:rPr lang="ja-JP" altLang="en-US" sz="500" dirty="0" smtClean="0">
+                <a:rPr lang="ja-JP" altLang="en-US" sz="500" dirty="0">
                   <a:solidFill>
                     <a:srgbClr val="000000"/>
                   </a:solidFill>
@@ -8049,7 +7921,7 @@
                 <a:t>指定したプロファイル用ディレクトリの中身</a:t>
               </a:r>
               <a:r>
-                <a:rPr lang="en-US" altLang="ja-JP" sz="500" dirty="0" smtClean="0">
+                <a:rPr lang="en-US" altLang="ja-JP" sz="500" dirty="0">
                   <a:solidFill>
                     <a:srgbClr val="000000"/>
                   </a:solidFill>
@@ -8060,7 +7932,7 @@
                 <a:t>(</a:t>
               </a:r>
               <a:r>
-                <a:rPr lang="ja-JP" altLang="en-US" sz="500" dirty="0" smtClean="0">
+                <a:rPr lang="ja-JP" altLang="en-US" sz="500" dirty="0">
                   <a:solidFill>
                     <a:srgbClr val="000000"/>
                   </a:solidFill>
@@ -8112,21 +7984,10 @@
                   <a:ea typeface="メイリオ" panose="020B0604030504040204" pitchFamily="50" charset="-128"/>
                   <a:cs typeface="メイリオ" panose="020B0604030504040204" pitchFamily="50" charset="-128"/>
                 </a:rPr>
-                <a:t>/prod/resources</a:t>
+                <a:t>/prod/resources/)</a:t>
               </a:r>
               <a:r>
-                <a:rPr lang="en-US" altLang="ja-JP" sz="500" dirty="0" smtClean="0">
-                  <a:solidFill>
-                    <a:srgbClr val="000000"/>
-                  </a:solidFill>
-                  <a:latin typeface="メイリオ" panose="020B0604030504040204" pitchFamily="50" charset="-128"/>
-                  <a:ea typeface="メイリオ" panose="020B0604030504040204" pitchFamily="50" charset="-128"/>
-                  <a:cs typeface="メイリオ" panose="020B0604030504040204" pitchFamily="50" charset="-128"/>
-                </a:rPr>
-                <a:t>/)</a:t>
-              </a:r>
-              <a:r>
-                <a:rPr lang="ja-JP" altLang="en-US" sz="500" dirty="0" smtClean="0">
+                <a:rPr lang="ja-JP" altLang="en-US" sz="500" dirty="0">
                   <a:solidFill>
                     <a:srgbClr val="000000"/>
                   </a:solidFill>
@@ -8244,30 +8105,14 @@
                 <a:defRPr sz="1000"/>
               </a:pPr>
               <a:r>
-                <a:rPr lang="ja-JP" altLang="en-US" sz="500" dirty="0" smtClean="0">
-                  <a:latin typeface="メイリオ" panose="020B0604030504040204" pitchFamily="50" charset="-128"/>
-                  <a:ea typeface="メイリオ" panose="020B0604030504040204" pitchFamily="50" charset="-128"/>
-                  <a:cs typeface="メイリオ" panose="020B0604030504040204" pitchFamily="50" charset="-128"/>
-                </a:rPr>
-                <a:t>環境</a:t>
-              </a:r>
-              <a:r>
                 <a:rPr lang="ja-JP" altLang="en-US" sz="500" dirty="0">
                   <a:latin typeface="メイリオ" panose="020B0604030504040204" pitchFamily="50" charset="-128"/>
                   <a:ea typeface="メイリオ" panose="020B0604030504040204" pitchFamily="50" charset="-128"/>
                   <a:cs typeface="メイリオ" panose="020B0604030504040204" pitchFamily="50" charset="-128"/>
                 </a:rPr>
-                <a:t>設定</a:t>
+                <a:t>環境設定ファイル</a:t>
               </a:r>
-              <a:r>
-                <a:rPr lang="ja-JP" altLang="en-US" sz="500" dirty="0" smtClean="0">
-                  <a:latin typeface="メイリオ" panose="020B0604030504040204" pitchFamily="50" charset="-128"/>
-                  <a:ea typeface="メイリオ" panose="020B0604030504040204" pitchFamily="50" charset="-128"/>
-                  <a:cs typeface="メイリオ" panose="020B0604030504040204" pitchFamily="50" charset="-128"/>
-                </a:rPr>
-                <a:t>ファイル</a:t>
-              </a:r>
-              <a:endParaRPr lang="en-US" altLang="ja-JP" sz="500" dirty="0" smtClean="0">
+              <a:endParaRPr lang="en-US" altLang="ja-JP" sz="500" dirty="0">
                 <a:latin typeface="メイリオ" panose="020B0604030504040204" pitchFamily="50" charset="-128"/>
                 <a:ea typeface="メイリオ" panose="020B0604030504040204" pitchFamily="50" charset="-128"/>
                 <a:cs typeface="メイリオ" panose="020B0604030504040204" pitchFamily="50" charset="-128"/>
@@ -8278,7 +8123,7 @@
                 <a:defRPr sz="1000"/>
               </a:pPr>
               <a:r>
-                <a:rPr lang="en-US" altLang="ja-JP" sz="500" dirty="0" smtClean="0">
+                <a:rPr lang="en-US" altLang="ja-JP" sz="500" dirty="0">
                   <a:latin typeface="メイリオ" panose="020B0604030504040204" pitchFamily="50" charset="-128"/>
                   <a:ea typeface="メイリオ" panose="020B0604030504040204" pitchFamily="50" charset="-128"/>
                   <a:cs typeface="メイリオ" panose="020B0604030504040204" pitchFamily="50" charset="-128"/>
@@ -8286,23 +8131,15 @@
                 <a:t>(</a:t>
               </a:r>
               <a:r>
-                <a:rPr lang="en-US" altLang="ja-JP" sz="500" dirty="0" err="1" smtClean="0">
+                <a:rPr lang="en-US" altLang="ja-JP" sz="500" dirty="0" err="1">
                   <a:latin typeface="メイリオ" panose="020B0604030504040204" pitchFamily="50" charset="-128"/>
                   <a:ea typeface="メイリオ" panose="020B0604030504040204" pitchFamily="50" charset="-128"/>
                   <a:cs typeface="メイリオ" panose="020B0604030504040204" pitchFamily="50" charset="-128"/>
                 </a:rPr>
-                <a:t>common</a:t>
+                <a:t>common.properties</a:t>
               </a:r>
               <a:r>
-                <a:rPr lang="en-US" altLang="ja-JP" sz="500" dirty="0" err="1" smtClean="0">
-                  <a:latin typeface="メイリオ" panose="020B0604030504040204" pitchFamily="50" charset="-128"/>
-                  <a:ea typeface="メイリオ" panose="020B0604030504040204" pitchFamily="50" charset="-128"/>
-                  <a:cs typeface="メイリオ" panose="020B0604030504040204" pitchFamily="50" charset="-128"/>
-                </a:rPr>
-                <a:t>.config</a:t>
-              </a:r>
-              <a:r>
-                <a:rPr lang="en-US" altLang="ja-JP" sz="500" dirty="0" smtClean="0">
+                <a:rPr lang="en-US" altLang="ja-JP" sz="500" dirty="0">
                   <a:latin typeface="メイリオ" panose="020B0604030504040204" pitchFamily="50" charset="-128"/>
                   <a:ea typeface="メイリオ" panose="020B0604030504040204" pitchFamily="50" charset="-128"/>
                   <a:cs typeface="メイリオ" panose="020B0604030504040204" pitchFamily="50" charset="-128"/>
@@ -8511,17 +8348,9 @@
                   <a:ea typeface="メイリオ" panose="020B0604030504040204" pitchFamily="50" charset="-128"/>
                   <a:cs typeface="メイリオ" panose="020B0604030504040204" pitchFamily="50" charset="-128"/>
                 </a:rPr>
-                <a:t>環境設定</a:t>
+                <a:t>環境設定ファイル</a:t>
               </a:r>
-              <a:r>
-                <a:rPr lang="ja-JP" altLang="en-US" sz="500" dirty="0" smtClean="0">
-                  <a:latin typeface="メイリオ" panose="020B0604030504040204" pitchFamily="50" charset="-128"/>
-                  <a:ea typeface="メイリオ" panose="020B0604030504040204" pitchFamily="50" charset="-128"/>
-                  <a:cs typeface="メイリオ" panose="020B0604030504040204" pitchFamily="50" charset="-128"/>
-                </a:rPr>
-                <a:t>ファイル</a:t>
-              </a:r>
-              <a:endParaRPr lang="en-US" altLang="ja-JP" sz="500" dirty="0" smtClean="0">
+              <a:endParaRPr lang="en-US" altLang="ja-JP" sz="500" dirty="0">
                 <a:latin typeface="メイリオ" panose="020B0604030504040204" pitchFamily="50" charset="-128"/>
                 <a:ea typeface="メイリオ" panose="020B0604030504040204" pitchFamily="50" charset="-128"/>
                 <a:cs typeface="メイリオ" panose="020B0604030504040204" pitchFamily="50" charset="-128"/>
@@ -8532,7 +8361,7 @@
                 <a:defRPr sz="1000"/>
               </a:pPr>
               <a:r>
-                <a:rPr lang="en-US" altLang="ja-JP" sz="500" dirty="0" smtClean="0">
+                <a:rPr lang="en-US" altLang="ja-JP" sz="500" dirty="0">
                   <a:latin typeface="メイリオ" panose="020B0604030504040204" pitchFamily="50" charset="-128"/>
                   <a:ea typeface="メイリオ" panose="020B0604030504040204" pitchFamily="50" charset="-128"/>
                   <a:cs typeface="メイリオ" panose="020B0604030504040204" pitchFamily="50" charset="-128"/>
@@ -8540,23 +8369,15 @@
                 <a:t>(</a:t>
               </a:r>
               <a:r>
-                <a:rPr lang="en-US" altLang="ja-JP" sz="500" dirty="0" err="1" smtClean="0">
+                <a:rPr lang="en-US" altLang="ja-JP" sz="500" dirty="0" err="1">
                   <a:latin typeface="メイリオ" panose="020B0604030504040204" pitchFamily="50" charset="-128"/>
                   <a:ea typeface="メイリオ" panose="020B0604030504040204" pitchFamily="50" charset="-128"/>
                   <a:cs typeface="メイリオ" panose="020B0604030504040204" pitchFamily="50" charset="-128"/>
                 </a:rPr>
-                <a:t>common</a:t>
+                <a:t>common.properties</a:t>
               </a:r>
               <a:r>
-                <a:rPr lang="en-US" altLang="ja-JP" sz="500" dirty="0" err="1" smtClean="0">
-                  <a:latin typeface="メイリオ" panose="020B0604030504040204" pitchFamily="50" charset="-128"/>
-                  <a:ea typeface="メイリオ" panose="020B0604030504040204" pitchFamily="50" charset="-128"/>
-                  <a:cs typeface="メイリオ" panose="020B0604030504040204" pitchFamily="50" charset="-128"/>
-                </a:rPr>
-                <a:t>.config</a:t>
-              </a:r>
-              <a:r>
-                <a:rPr lang="en-US" altLang="ja-JP" sz="500" dirty="0" smtClean="0">
+                <a:rPr lang="en-US" altLang="ja-JP" sz="500" dirty="0">
                   <a:latin typeface="メイリオ" panose="020B0604030504040204" pitchFamily="50" charset="-128"/>
                   <a:ea typeface="メイリオ" panose="020B0604030504040204" pitchFamily="50" charset="-128"/>
                   <a:cs typeface="メイリオ" panose="020B0604030504040204" pitchFamily="50" charset="-128"/>
